--- a/files/powerpoint/nhl_recommender.pptx
+++ b/files/powerpoint/nhl_recommender.pptx
@@ -110,6 +110,11 @@
       </a:defRPr>
     </a:lvl9pPr>
   </p:defaultTextStyle>
+  <p:extLst>
+    <p:ext uri="{EFAFB233-063F-42B5-8137-9DF3F51BA10A}">
+      <p15:sldGuideLst xmlns:p15="http://schemas.microsoft.com/office/powerpoint/2012/main"/>
+    </p:ext>
+  </p:extLst>
 </p:presentation>
 </file>
 
@@ -3016,7 +3021,7 @@
             <a:fld id="{5923F103-BC34-4FE4-A40E-EDDEECFDA5D0}" type="datetimeFigureOut">
               <a:rPr lang="en-US" dirty="0"/>
               <a:pPr/>
-              <a:t>3/20/25</a:t>
+              <a:t>3/27/25</a:t>
             </a:fld>
             <a:endParaRPr lang="en-US" dirty="0"/>
           </a:p>
@@ -4100,7 +4105,7 @@
           <a:p>
             <a:fld id="{923A1CC3-2375-41D4-9E03-427CAF2A4C1A}" type="datetimeFigureOut">
               <a:rPr lang="en-US" dirty="0"/>
-              <a:t>3/20/25</a:t>
+              <a:t>3/27/25</a:t>
             </a:fld>
             <a:endParaRPr lang="en-US" dirty="0"/>
           </a:p>
@@ -5076,7 +5081,7 @@
           <a:p>
             <a:fld id="{AFF16868-8199-4C2C-A5B1-63AEE139F88E}" type="datetimeFigureOut">
               <a:rPr lang="en-US" dirty="0"/>
-              <a:t>3/20/25</a:t>
+              <a:t>3/27/25</a:t>
             </a:fld>
             <a:endParaRPr lang="en-US" dirty="0"/>
           </a:p>
@@ -6206,7 +6211,7 @@
           <a:p>
             <a:fld id="{AAD9FF7F-6988-44CC-821B-644E70CD2F73}" type="datetimeFigureOut">
               <a:rPr lang="en-US" dirty="0"/>
-              <a:t>3/20/25</a:t>
+              <a:t>3/27/25</a:t>
             </a:fld>
             <a:endParaRPr lang="en-US" dirty="0"/>
           </a:p>
@@ -7235,7 +7240,7 @@
           <a:p>
             <a:fld id="{5C12C299-16B2-4475-990D-751901EACC14}" type="datetimeFigureOut">
               <a:rPr lang="en-US" dirty="0"/>
-              <a:t>3/20/25</a:t>
+              <a:t>3/27/25</a:t>
             </a:fld>
             <a:endParaRPr lang="en-US" dirty="0"/>
           </a:p>
@@ -7891,7 +7896,7 @@
           <a:p>
             <a:fld id="{9FE86839-B9D8-4651-8783-F325ECE74E65}" type="datetimeFigureOut">
               <a:rPr lang="en-US" dirty="0"/>
-              <a:t>3/20/25</a:t>
+              <a:t>3/27/25</a:t>
             </a:fld>
             <a:endParaRPr lang="en-US" dirty="0"/>
           </a:p>
@@ -8748,7 +8753,7 @@
           <a:p>
             <a:fld id="{FD484F64-32F6-45C5-931F-ADC1662401D0}" type="datetimeFigureOut">
               <a:rPr lang="en-US" dirty="0"/>
-              <a:t>3/20/25</a:t>
+              <a:t>3/27/25</a:t>
             </a:fld>
             <a:endParaRPr lang="en-US" dirty="0"/>
           </a:p>
@@ -8934,7 +8939,7 @@
           <a:p>
             <a:fld id="{53086D93-FCAC-47E0-A2EE-787E62CA814C}" type="datetimeFigureOut">
               <a:rPr lang="en-US" dirty="0"/>
-              <a:t>3/20/25</a:t>
+              <a:t>3/27/25</a:t>
             </a:fld>
             <a:endParaRPr lang="en-US" dirty="0"/>
           </a:p>
@@ -9902,7 +9907,7 @@
           <a:p>
             <a:fld id="{CDA879A6-0FD0-4734-A311-86BFCA472E6E}" type="datetimeFigureOut">
               <a:rPr lang="en-US" dirty="0"/>
-              <a:t>3/20/25</a:t>
+              <a:t>3/27/25</a:t>
             </a:fld>
             <a:endParaRPr lang="en-US" dirty="0"/>
           </a:p>
@@ -10109,7 +10114,7 @@
           <a:p>
             <a:fld id="{19C9CA7B-DFD4-44B5-8C60-D14B8CD1FB59}" type="datetimeFigureOut">
               <a:rPr lang="en-US" dirty="0"/>
-              <a:t>3/20/25</a:t>
+              <a:t>3/27/25</a:t>
             </a:fld>
             <a:endParaRPr lang="en-US" dirty="0"/>
           </a:p>
@@ -11139,7 +11144,7 @@
           <a:p>
             <a:fld id="{F34E6425-0181-43F2-84FC-787E803FD2F8}" type="datetimeFigureOut">
               <a:rPr lang="en-US" dirty="0"/>
-              <a:t>3/20/25</a:t>
+              <a:t>3/27/25</a:t>
             </a:fld>
             <a:endParaRPr lang="en-US" dirty="0"/>
           </a:p>
@@ -11407,7 +11412,7 @@
           <a:p>
             <a:fld id="{3BDB8791-F1B0-41E7-B7FD-A781E65C4266}" type="datetimeFigureOut">
               <a:rPr lang="en-US" dirty="0"/>
-              <a:t>3/20/25</a:t>
+              <a:t>3/27/25</a:t>
             </a:fld>
             <a:endParaRPr lang="en-US" dirty="0"/>
           </a:p>
@@ -11813,7 +11818,7 @@
           <a:p>
             <a:fld id="{5FDD63B2-E120-4ED8-B27B-C685F510A5FE}" type="datetimeFigureOut">
               <a:rPr lang="en-US" dirty="0"/>
-              <a:t>3/20/25</a:t>
+              <a:t>3/27/25</a:t>
             </a:fld>
             <a:endParaRPr lang="en-US" dirty="0"/>
           </a:p>
@@ -11936,7 +11941,7 @@
           <a:p>
             <a:fld id="{7AA18ACC-A947-437B-A130-35BD54FDF1E9}" type="datetimeFigureOut">
               <a:rPr lang="en-US" dirty="0"/>
-              <a:t>3/20/25</a:t>
+              <a:t>3/27/25</a:t>
             </a:fld>
             <a:endParaRPr lang="en-US" dirty="0"/>
           </a:p>
@@ -12027,7 +12032,7 @@
           <a:p>
             <a:fld id="{7C8D7E02-BCB8-4D50-A234-369438C08659}" type="datetimeFigureOut">
               <a:rPr lang="en-US" dirty="0"/>
-              <a:t>3/20/25</a:t>
+              <a:t>3/27/25</a:t>
             </a:fld>
             <a:endParaRPr lang="en-US" dirty="0"/>
           </a:p>
@@ -13104,7 +13109,7 @@
           <a:p>
             <a:fld id="{76E86A4C-8E40-4F87-A4F0-01A0687C5742}" type="datetimeFigureOut">
               <a:rPr lang="en-US" dirty="0"/>
-              <a:t>3/20/25</a:t>
+              <a:t>3/27/25</a:t>
             </a:fld>
             <a:endParaRPr lang="en-US" dirty="0"/>
           </a:p>
@@ -14208,7 +14213,7 @@
           <a:p>
             <a:fld id="{35E72C73-2D91-4E12-BA25-F0AA0C03599B}" type="datetimeFigureOut">
               <a:rPr lang="en-US" dirty="0"/>
-              <a:t>3/20/25</a:t>
+              <a:t>3/27/25</a:t>
             </a:fld>
             <a:endParaRPr lang="en-US" dirty="0"/>
           </a:p>
@@ -15201,7 +15206,7 @@
           <a:p>
             <a:fld id="{2BE451C3-0FF4-47C4-B829-773ADF60F88C}" type="datetimeFigureOut">
               <a:rPr lang="en-US" dirty="0"/>
-              <a:t>3/20/25</a:t>
+              <a:t>3/27/25</a:t>
             </a:fld>
             <a:endParaRPr lang="en-US" dirty="0"/>
           </a:p>
@@ -16135,6 +16140,91 @@
           </a:p>
         </p:txBody>
       </p:sp>
+      <p:sp>
+        <p:nvSpPr>
+          <p:cNvPr id="4" name="TextBox 3">
+            <a:extLst>
+              <a:ext uri="{FF2B5EF4-FFF2-40B4-BE49-F238E27FC236}">
+                <a16:creationId xmlns:a16="http://schemas.microsoft.com/office/drawing/2014/main" id="{A00FB4B4-5F3D-DD63-A513-A1221D1878E1}"/>
+              </a:ext>
+            </a:extLst>
+          </p:cNvPr>
+          <p:cNvSpPr txBox="1"/>
+          <p:nvPr/>
+        </p:nvSpPr>
+        <p:spPr>
+          <a:xfrm>
+            <a:off x="1068388" y="849868"/>
+            <a:ext cx="2828261" cy="369332"/>
+          </a:xfrm>
+          <a:prstGeom prst="rect">
+            <a:avLst/>
+          </a:prstGeom>
+          <a:noFill/>
+        </p:spPr>
+        <p:txBody>
+          <a:bodyPr wrap="square" rtlCol="0">
+            <a:spAutoFit/>
+          </a:bodyPr>
+          <a:lstStyle/>
+          <a:p>
+            <a:r>
+              <a:rPr lang="en-US" dirty="0">
+                <a:solidFill>
+                  <a:schemeClr val="bg1"/>
+                </a:solidFill>
+              </a:rPr>
+              <a:t>https://</a:t>
+            </a:r>
+            <a:r>
+              <a:rPr lang="en-US" dirty="0" err="1">
+                <a:solidFill>
+                  <a:schemeClr val="bg1"/>
+                </a:solidFill>
+              </a:rPr>
+              <a:t>bit.ly</a:t>
+            </a:r>
+            <a:r>
+              <a:rPr lang="en-US" dirty="0">
+                <a:solidFill>
+                  <a:schemeClr val="bg1"/>
+                </a:solidFill>
+              </a:rPr>
+              <a:t>/4kVqT5V</a:t>
+            </a:r>
+          </a:p>
+        </p:txBody>
+      </p:sp>
+      <p:pic>
+        <p:nvPicPr>
+          <p:cNvPr id="6" name="Picture 5" descr="A qr code on a white background&#10;&#10;AI-generated content may be incorrect.">
+            <a:extLst>
+              <a:ext uri="{FF2B5EF4-FFF2-40B4-BE49-F238E27FC236}">
+                <a16:creationId xmlns:a16="http://schemas.microsoft.com/office/drawing/2014/main" id="{ADF36363-AADD-0C29-5227-C62E8D4DCB4F}"/>
+              </a:ext>
+            </a:extLst>
+          </p:cNvPr>
+          <p:cNvPicPr>
+            <a:picLocks noChangeAspect="1"/>
+          </p:cNvPicPr>
+          <p:nvPr/>
+        </p:nvPicPr>
+        <p:blipFill>
+          <a:blip r:embed="rId4"/>
+          <a:stretch>
+            <a:fillRect/>
+          </a:stretch>
+        </p:blipFill>
+        <p:spPr>
+          <a:xfrm>
+            <a:off x="3727559" y="571500"/>
+            <a:ext cx="833809" cy="833809"/>
+          </a:xfrm>
+          <a:prstGeom prst="rect">
+            <a:avLst/>
+          </a:prstGeom>
+        </p:spPr>
+      </p:pic>
     </p:spTree>
     <p:extLst>
       <p:ext uri="{BB962C8B-B14F-4D97-AF65-F5344CB8AC3E}">
@@ -17523,23 +17613,13 @@
           <a:p>
             <a:r>
               <a:rPr lang="en-US" dirty="0"/>
-              <a:t>There are more than 30 metrics used to build the engine, some of the </a:t>
+              <a:t>We load in our metrics into components for the model to use Euclidean distance measurements to find the player who plays in the most similar style throughout their career. </a:t>
             </a:r>
-            <a:r>
-              <a:rPr lang="en-US" dirty="0" err="1"/>
-              <a:t>mostImportant</a:t>
-            </a:r>
+          </a:p>
+          <a:p>
             <a:r>
               <a:rPr lang="en-US" dirty="0"/>
-              <a:t> features when using PCA methods are goals, high danger shots, takeaways, </a:t>
-            </a:r>
-            <a:r>
-              <a:rPr lang="en-US" dirty="0" err="1"/>
-              <a:t>icetime</a:t>
-            </a:r>
-            <a:r>
-              <a:rPr lang="en-US" dirty="0"/>
-              <a:t>, </a:t>
+              <a:t>Some features include, Goals, Shots, </a:t>
             </a:r>
             <a:r>
               <a:rPr lang="en-US" dirty="0" err="1"/>
@@ -17547,13 +17627,13 @@
             </a:r>
             <a:r>
               <a:rPr lang="en-US" dirty="0"/>
-              <a:t> and, many more!</a:t>
+              <a:t>, High Danger Shots, and more!</a:t>
             </a:r>
           </a:p>
           <a:p>
             <a:r>
               <a:rPr lang="en-US" dirty="0"/>
-              <a:t>When using all of the metrics combined we can build a game engine that will predict the best team score between the user and the AI recommender</a:t>
+              <a:t>When using all of the metrics we can build a game engine that will predict the best team score between the user and the AI recommender</a:t>
             </a:r>
           </a:p>
           <a:p>
@@ -17648,13 +17728,13 @@
           <a:p>
             <a:r>
               <a:rPr lang="en-US" dirty="0"/>
-              <a:t>We use an AI recommender engine much like you would see for suggesting movies on Netflix to recommend 5 players closest to the player the user has selected</a:t>
+              <a:t>We use an AI recommender engine much like you would see for suggesting movies on Netflix to recommend 5 players closest to the player the user has selected using our metrics</a:t>
             </a:r>
           </a:p>
           <a:p>
             <a:r>
               <a:rPr lang="en-US" dirty="0"/>
-              <a:t>I tested which type of similarity method to use and found vast improvements as I went along</a:t>
+              <a:t>After choosing your team, our Recommender Engine will choose it’s best team based off your first selection using the same metrics provided</a:t>
             </a:r>
           </a:p>
           <a:p>
@@ -17750,12 +17830,20 @@
         </p:nvSpPr>
         <p:spPr/>
         <p:txBody>
-          <a:bodyPr/>
+          <a:bodyPr>
+            <a:normAutofit fontScale="92500" lnSpcReduction="20000"/>
+          </a:bodyPr>
           <a:lstStyle/>
           <a:p>
             <a:r>
               <a:rPr lang="en-US" dirty="0"/>
               <a:t>Enhance User Interface</a:t>
+            </a:r>
+          </a:p>
+          <a:p>
+            <a:r>
+              <a:rPr lang="en-US" dirty="0"/>
+              <a:t>	- add images</a:t>
             </a:r>
           </a:p>
           <a:p>
@@ -17767,7 +17855,27 @@
           <a:p>
             <a:r>
               <a:rPr lang="en-US" dirty="0"/>
+              <a:t>	- retrieve </a:t>
+            </a:r>
+            <a:r>
+              <a:rPr lang="en-US" dirty="0" err="1"/>
+              <a:t>dfs</a:t>
+            </a:r>
+            <a:r>
+              <a:rPr lang="en-US" dirty="0"/>
+              <a:t> salaries</a:t>
+            </a:r>
+          </a:p>
+          <a:p>
+            <a:r>
+              <a:rPr lang="en-US" dirty="0"/>
               <a:t>Implement goalies</a:t>
+            </a:r>
+          </a:p>
+          <a:p>
+            <a:r>
+              <a:rPr lang="en-US" dirty="0"/>
+              <a:t>	- add goalies to roster</a:t>
             </a:r>
           </a:p>
         </p:txBody>
@@ -17937,7 +18045,7 @@
         </p:nvSpPr>
         <p:spPr>
           <a:xfrm>
-            <a:off x="1132115" y="880533"/>
+            <a:off x="770608" y="715094"/>
             <a:ext cx="4963885" cy="523220"/>
           </a:xfrm>
           <a:prstGeom prst="rect">
@@ -17962,6 +18070,36 @@
           </a:p>
         </p:txBody>
       </p:sp>
+      <p:pic>
+        <p:nvPicPr>
+          <p:cNvPr id="6" name="Picture 5" descr="A qr code on a white background&#10;&#10;AI-generated content may be incorrect.">
+            <a:extLst>
+              <a:ext uri="{FF2B5EF4-FFF2-40B4-BE49-F238E27FC236}">
+                <a16:creationId xmlns:a16="http://schemas.microsoft.com/office/drawing/2014/main" id="{FC56AEF3-D969-3939-380D-89289E8BD65E}"/>
+              </a:ext>
+            </a:extLst>
+          </p:cNvPr>
+          <p:cNvPicPr>
+            <a:picLocks noChangeAspect="1"/>
+          </p:cNvPicPr>
+          <p:nvPr/>
+        </p:nvPicPr>
+        <p:blipFill>
+          <a:blip r:embed="rId3"/>
+          <a:stretch>
+            <a:fillRect/>
+          </a:stretch>
+        </p:blipFill>
+        <p:spPr>
+          <a:xfrm>
+            <a:off x="1975885" y="1692258"/>
+            <a:ext cx="1894367" cy="1894367"/>
+          </a:xfrm>
+          <a:prstGeom prst="rect">
+            <a:avLst/>
+          </a:prstGeom>
+        </p:spPr>
+      </p:pic>
     </p:spTree>
     <p:extLst>
       <p:ext uri="{BB962C8B-B14F-4D97-AF65-F5344CB8AC3E}">

--- a/files/powerpoint/nhl_recommender.pptx
+++ b/files/powerpoint/nhl_recommender.pptx
@@ -17287,7 +17287,7 @@
                   <a:srgbClr val="EBEBEB"/>
                 </a:solidFill>
               </a:rPr>
-              <a:t>Can we use AI to Recommend Players?</a:t>
+              <a:t>Can we use AI to Recommend Players for DFS Hockey?</a:t>
             </a:r>
           </a:p>
         </p:txBody>
@@ -17831,7 +17831,7 @@
         <p:spPr/>
         <p:txBody>
           <a:bodyPr>
-            <a:normAutofit fontScale="92500" lnSpcReduction="20000"/>
+            <a:normAutofit fontScale="62500" lnSpcReduction="20000"/>
           </a:bodyPr>
           <a:lstStyle/>
           <a:p>
@@ -17864,6 +17864,18 @@
             <a:r>
               <a:rPr lang="en-US" dirty="0"/>
               <a:t> salaries</a:t>
+            </a:r>
+          </a:p>
+          <a:p>
+            <a:r>
+              <a:rPr lang="en-US" dirty="0"/>
+              <a:t>Update daily schedule</a:t>
+            </a:r>
+          </a:p>
+          <a:p>
+            <a:r>
+              <a:rPr lang="en-US" dirty="0"/>
+              <a:t>	- use active players only</a:t>
             </a:r>
           </a:p>
           <a:p>
